--- a/fig/softwareResults/comparison.pptx
+++ b/fig/softwareResults/comparison.pptx
@@ -104,6 +104,11 @@
       </a:defRPr>
     </a:lvl9pPr>
   </p:defaultTextStyle>
+  <p:extLst>
+    <p:ext uri="{EFAFB233-063F-42B5-8137-9DF3F51BA10A}">
+      <p15:sldGuideLst xmlns:p15="http://schemas.microsoft.com/office/powerpoint/2012/main"/>
+    </p:ext>
+  </p:extLst>
 </p:presentation>
 </file>
 
@@ -238,7 +243,7 @@
           <a:p>
             <a:fld id="{19018F7F-51B3-47FF-BA03-BD57561EEB39}" type="datetimeFigureOut">
               <a:rPr lang="nl-BE" smtClean="0"/>
-              <a:t>4/05/2020</a:t>
+              <a:t>10/05/2020</a:t>
             </a:fld>
             <a:endParaRPr lang="nl-BE"/>
           </a:p>
@@ -408,7 +413,7 @@
           <a:p>
             <a:fld id="{19018F7F-51B3-47FF-BA03-BD57561EEB39}" type="datetimeFigureOut">
               <a:rPr lang="nl-BE" smtClean="0"/>
-              <a:t>4/05/2020</a:t>
+              <a:t>10/05/2020</a:t>
             </a:fld>
             <a:endParaRPr lang="nl-BE"/>
           </a:p>
@@ -588,7 +593,7 @@
           <a:p>
             <a:fld id="{19018F7F-51B3-47FF-BA03-BD57561EEB39}" type="datetimeFigureOut">
               <a:rPr lang="nl-BE" smtClean="0"/>
-              <a:t>4/05/2020</a:t>
+              <a:t>10/05/2020</a:t>
             </a:fld>
             <a:endParaRPr lang="nl-BE"/>
           </a:p>
@@ -758,7 +763,7 @@
           <a:p>
             <a:fld id="{19018F7F-51B3-47FF-BA03-BD57561EEB39}" type="datetimeFigureOut">
               <a:rPr lang="nl-BE" smtClean="0"/>
-              <a:t>4/05/2020</a:t>
+              <a:t>10/05/2020</a:t>
             </a:fld>
             <a:endParaRPr lang="nl-BE"/>
           </a:p>
@@ -1004,7 +1009,7 @@
           <a:p>
             <a:fld id="{19018F7F-51B3-47FF-BA03-BD57561EEB39}" type="datetimeFigureOut">
               <a:rPr lang="nl-BE" smtClean="0"/>
-              <a:t>4/05/2020</a:t>
+              <a:t>10/05/2020</a:t>
             </a:fld>
             <a:endParaRPr lang="nl-BE"/>
           </a:p>
@@ -1236,7 +1241,7 @@
           <a:p>
             <a:fld id="{19018F7F-51B3-47FF-BA03-BD57561EEB39}" type="datetimeFigureOut">
               <a:rPr lang="nl-BE" smtClean="0"/>
-              <a:t>4/05/2020</a:t>
+              <a:t>10/05/2020</a:t>
             </a:fld>
             <a:endParaRPr lang="nl-BE"/>
           </a:p>
@@ -1603,7 +1608,7 @@
           <a:p>
             <a:fld id="{19018F7F-51B3-47FF-BA03-BD57561EEB39}" type="datetimeFigureOut">
               <a:rPr lang="nl-BE" smtClean="0"/>
-              <a:t>4/05/2020</a:t>
+              <a:t>10/05/2020</a:t>
             </a:fld>
             <a:endParaRPr lang="nl-BE"/>
           </a:p>
@@ -1721,7 +1726,7 @@
           <a:p>
             <a:fld id="{19018F7F-51B3-47FF-BA03-BD57561EEB39}" type="datetimeFigureOut">
               <a:rPr lang="nl-BE" smtClean="0"/>
-              <a:t>4/05/2020</a:t>
+              <a:t>10/05/2020</a:t>
             </a:fld>
             <a:endParaRPr lang="nl-BE"/>
           </a:p>
@@ -1816,7 +1821,7 @@
           <a:p>
             <a:fld id="{19018F7F-51B3-47FF-BA03-BD57561EEB39}" type="datetimeFigureOut">
               <a:rPr lang="nl-BE" smtClean="0"/>
-              <a:t>4/05/2020</a:t>
+              <a:t>10/05/2020</a:t>
             </a:fld>
             <a:endParaRPr lang="nl-BE"/>
           </a:p>
@@ -2093,7 +2098,7 @@
           <a:p>
             <a:fld id="{19018F7F-51B3-47FF-BA03-BD57561EEB39}" type="datetimeFigureOut">
               <a:rPr lang="nl-BE" smtClean="0"/>
-              <a:t>4/05/2020</a:t>
+              <a:t>10/05/2020</a:t>
             </a:fld>
             <a:endParaRPr lang="nl-BE"/>
           </a:p>
@@ -2350,7 +2355,7 @@
           <a:p>
             <a:fld id="{19018F7F-51B3-47FF-BA03-BD57561EEB39}" type="datetimeFigureOut">
               <a:rPr lang="nl-BE" smtClean="0"/>
-              <a:t>4/05/2020</a:t>
+              <a:t>10/05/2020</a:t>
             </a:fld>
             <a:endParaRPr lang="nl-BE"/>
           </a:p>
@@ -2563,7 +2568,7 @@
           <a:p>
             <a:fld id="{19018F7F-51B3-47FF-BA03-BD57561EEB39}" type="datetimeFigureOut">
               <a:rPr lang="nl-BE" smtClean="0"/>
-              <a:t>4/05/2020</a:t>
+              <a:t>10/05/2020</a:t>
             </a:fld>
             <a:endParaRPr lang="nl-BE"/>
           </a:p>
@@ -3027,6 +3032,9 @@
           <a:prstGeom prst="rect">
             <a:avLst/>
           </a:prstGeom>
+          <a:solidFill>
+            <a:srgbClr val="FAFAFA"/>
+          </a:solidFill>
         </p:spPr>
       </p:pic>
       <p:sp>
@@ -3328,6 +3336,334 @@
           <a:p>
             <a:pPr algn="ctr"/>
             <a:endParaRPr lang="nl-BE" sz="1801"/>
+          </a:p>
+        </p:txBody>
+      </p:sp>
+      <p:sp>
+        <p:nvSpPr>
+          <p:cNvPr id="2" name="Tekstvak 1">
+            <a:extLst>
+              <a:ext uri="{FF2B5EF4-FFF2-40B4-BE49-F238E27FC236}">
+                <a16:creationId xmlns:a16="http://schemas.microsoft.com/office/drawing/2014/main" id="{C3E9CE5D-E8D0-401F-8D17-0C05987BC654}"/>
+              </a:ext>
+            </a:extLst>
+          </p:cNvPr>
+          <p:cNvSpPr txBox="1"/>
+          <p:nvPr/>
+        </p:nvSpPr>
+        <p:spPr>
+          <a:xfrm>
+            <a:off x="0" y="373010"/>
+            <a:ext cx="1211385" cy="369332"/>
+          </a:xfrm>
+          <a:prstGeom prst="rect">
+            <a:avLst/>
+          </a:prstGeom>
+          <a:noFill/>
+        </p:spPr>
+        <p:txBody>
+          <a:bodyPr wrap="square" rtlCol="0">
+            <a:spAutoFit/>
+          </a:bodyPr>
+          <a:lstStyle/>
+          <a:p>
+            <a:r>
+              <a:rPr lang="nl-BE" dirty="0"/>
+              <a:t>Reference</a:t>
+            </a:r>
+          </a:p>
+        </p:txBody>
+      </p:sp>
+      <p:sp>
+        <p:nvSpPr>
+          <p:cNvPr id="14" name="Tekstvak 13">
+            <a:extLst>
+              <a:ext uri="{FF2B5EF4-FFF2-40B4-BE49-F238E27FC236}">
+                <a16:creationId xmlns:a16="http://schemas.microsoft.com/office/drawing/2014/main" id="{954673D3-8B94-4EE9-8C69-C0E0FE5E31A1}"/>
+              </a:ext>
+            </a:extLst>
+          </p:cNvPr>
+          <p:cNvSpPr txBox="1"/>
+          <p:nvPr/>
+        </p:nvSpPr>
+        <p:spPr>
+          <a:xfrm>
+            <a:off x="0" y="1701107"/>
+            <a:ext cx="1211385" cy="369332"/>
+          </a:xfrm>
+          <a:prstGeom prst="rect">
+            <a:avLst/>
+          </a:prstGeom>
+          <a:noFill/>
+        </p:spPr>
+        <p:txBody>
+          <a:bodyPr wrap="square" rtlCol="0">
+            <a:spAutoFit/>
+          </a:bodyPr>
+          <a:lstStyle/>
+          <a:p>
+            <a:r>
+              <a:rPr lang="nl-BE" dirty="0"/>
+              <a:t>Galaxy</a:t>
+            </a:r>
+          </a:p>
+        </p:txBody>
+      </p:sp>
+      <p:sp>
+        <p:nvSpPr>
+          <p:cNvPr id="4" name="Rechthoek 3">
+            <a:extLst>
+              <a:ext uri="{FF2B5EF4-FFF2-40B4-BE49-F238E27FC236}">
+                <a16:creationId xmlns:a16="http://schemas.microsoft.com/office/drawing/2014/main" id="{8255D1E1-0E23-4CEA-A3F9-AAC4720CF5CA}"/>
+              </a:ext>
+            </a:extLst>
+          </p:cNvPr>
+          <p:cNvSpPr/>
+          <p:nvPr/>
+        </p:nvSpPr>
+        <p:spPr>
+          <a:xfrm>
+            <a:off x="0" y="1283733"/>
+            <a:ext cx="1211385" cy="219076"/>
+          </a:xfrm>
+          <a:prstGeom prst="rect">
+            <a:avLst/>
+          </a:prstGeom>
+          <a:solidFill>
+            <a:srgbClr val="FAFAFA"/>
+          </a:solidFill>
+          <a:ln>
+            <a:noFill/>
+          </a:ln>
+        </p:spPr>
+        <p:style>
+          <a:lnRef idx="2">
+            <a:schemeClr val="accent1">
+              <a:shade val="50000"/>
+            </a:schemeClr>
+          </a:lnRef>
+          <a:fillRef idx="1">
+            <a:schemeClr val="accent1"/>
+          </a:fillRef>
+          <a:effectRef idx="0">
+            <a:schemeClr val="accent1"/>
+          </a:effectRef>
+          <a:fontRef idx="minor">
+            <a:schemeClr val="lt1"/>
+          </a:fontRef>
+        </p:style>
+        <p:txBody>
+          <a:bodyPr rtlCol="0" anchor="ctr"/>
+          <a:lstStyle/>
+          <a:p>
+            <a:pPr algn="ctr"/>
+            <a:endParaRPr lang="nl-BE"/>
+          </a:p>
+        </p:txBody>
+      </p:sp>
+      <p:sp>
+        <p:nvSpPr>
+          <p:cNvPr id="16" name="Rechthoek 15">
+            <a:extLst>
+              <a:ext uri="{FF2B5EF4-FFF2-40B4-BE49-F238E27FC236}">
+                <a16:creationId xmlns:a16="http://schemas.microsoft.com/office/drawing/2014/main" id="{EEF35740-195C-4D14-9D23-252F3CA50619}"/>
+              </a:ext>
+            </a:extLst>
+          </p:cNvPr>
+          <p:cNvSpPr/>
+          <p:nvPr/>
+        </p:nvSpPr>
+        <p:spPr>
+          <a:xfrm>
+            <a:off x="0" y="2269097"/>
+            <a:ext cx="1211385" cy="219076"/>
+          </a:xfrm>
+          <a:prstGeom prst="rect">
+            <a:avLst/>
+          </a:prstGeom>
+          <a:solidFill>
+            <a:srgbClr val="FAFAFA"/>
+          </a:solidFill>
+          <a:ln>
+            <a:noFill/>
+          </a:ln>
+        </p:spPr>
+        <p:style>
+          <a:lnRef idx="2">
+            <a:schemeClr val="accent1">
+              <a:shade val="50000"/>
+            </a:schemeClr>
+          </a:lnRef>
+          <a:fillRef idx="1">
+            <a:schemeClr val="accent1"/>
+          </a:fillRef>
+          <a:effectRef idx="0">
+            <a:schemeClr val="accent1"/>
+          </a:effectRef>
+          <a:fontRef idx="minor">
+            <a:schemeClr val="lt1"/>
+          </a:fontRef>
+        </p:style>
+        <p:txBody>
+          <a:bodyPr rtlCol="0" anchor="ctr"/>
+          <a:lstStyle/>
+          <a:p>
+            <a:pPr algn="ctr"/>
+            <a:endParaRPr lang="nl-BE"/>
+          </a:p>
+        </p:txBody>
+      </p:sp>
+      <p:sp>
+        <p:nvSpPr>
+          <p:cNvPr id="17" name="Rechthoek 16">
+            <a:extLst>
+              <a:ext uri="{FF2B5EF4-FFF2-40B4-BE49-F238E27FC236}">
+                <a16:creationId xmlns:a16="http://schemas.microsoft.com/office/drawing/2014/main" id="{C5CE7519-5A96-4BA3-B930-8E107AEF62EE}"/>
+              </a:ext>
+            </a:extLst>
+          </p:cNvPr>
+          <p:cNvSpPr/>
+          <p:nvPr/>
+        </p:nvSpPr>
+        <p:spPr>
+          <a:xfrm>
+            <a:off x="-1" y="3379023"/>
+            <a:ext cx="1211385" cy="219076"/>
+          </a:xfrm>
+          <a:prstGeom prst="rect">
+            <a:avLst/>
+          </a:prstGeom>
+          <a:solidFill>
+            <a:srgbClr val="FAFAFA"/>
+          </a:solidFill>
+          <a:ln>
+            <a:noFill/>
+          </a:ln>
+        </p:spPr>
+        <p:style>
+          <a:lnRef idx="2">
+            <a:schemeClr val="accent1">
+              <a:shade val="50000"/>
+            </a:schemeClr>
+          </a:lnRef>
+          <a:fillRef idx="1">
+            <a:schemeClr val="accent1"/>
+          </a:fillRef>
+          <a:effectRef idx="0">
+            <a:schemeClr val="accent1"/>
+          </a:effectRef>
+          <a:fontRef idx="minor">
+            <a:schemeClr val="lt1"/>
+          </a:fontRef>
+        </p:style>
+        <p:txBody>
+          <a:bodyPr rtlCol="0" anchor="ctr"/>
+          <a:lstStyle/>
+          <a:p>
+            <a:pPr algn="ctr"/>
+            <a:endParaRPr lang="nl-BE"/>
+          </a:p>
+        </p:txBody>
+      </p:sp>
+      <p:sp>
+        <p:nvSpPr>
+          <p:cNvPr id="18" name="Rechthoek 17">
+            <a:extLst>
+              <a:ext uri="{FF2B5EF4-FFF2-40B4-BE49-F238E27FC236}">
+                <a16:creationId xmlns:a16="http://schemas.microsoft.com/office/drawing/2014/main" id="{685AD666-5844-4373-90B9-BC387397A43F}"/>
+              </a:ext>
+            </a:extLst>
+          </p:cNvPr>
+          <p:cNvSpPr/>
+          <p:nvPr/>
+        </p:nvSpPr>
+        <p:spPr>
+          <a:xfrm>
+            <a:off x="0" y="4394623"/>
+            <a:ext cx="1211385" cy="219076"/>
+          </a:xfrm>
+          <a:prstGeom prst="rect">
+            <a:avLst/>
+          </a:prstGeom>
+          <a:solidFill>
+            <a:srgbClr val="FAFAFA"/>
+          </a:solidFill>
+          <a:ln>
+            <a:noFill/>
+          </a:ln>
+        </p:spPr>
+        <p:style>
+          <a:lnRef idx="2">
+            <a:schemeClr val="accent1">
+              <a:shade val="50000"/>
+            </a:schemeClr>
+          </a:lnRef>
+          <a:fillRef idx="1">
+            <a:schemeClr val="accent1"/>
+          </a:fillRef>
+          <a:effectRef idx="0">
+            <a:schemeClr val="accent1"/>
+          </a:effectRef>
+          <a:fontRef idx="minor">
+            <a:schemeClr val="lt1"/>
+          </a:fontRef>
+        </p:style>
+        <p:txBody>
+          <a:bodyPr rtlCol="0" anchor="ctr"/>
+          <a:lstStyle/>
+          <a:p>
+            <a:pPr algn="ctr"/>
+            <a:endParaRPr lang="nl-BE"/>
+          </a:p>
+        </p:txBody>
+      </p:sp>
+      <p:sp>
+        <p:nvSpPr>
+          <p:cNvPr id="15" name="Tekstvak 14">
+            <a:extLst>
+              <a:ext uri="{FF2B5EF4-FFF2-40B4-BE49-F238E27FC236}">
+                <a16:creationId xmlns:a16="http://schemas.microsoft.com/office/drawing/2014/main" id="{203E9C21-F77A-4427-8A40-17A5C9BD82EF}"/>
+              </a:ext>
+            </a:extLst>
+          </p:cNvPr>
+          <p:cNvSpPr txBox="1"/>
+          <p:nvPr/>
+        </p:nvSpPr>
+        <p:spPr>
+          <a:xfrm>
+            <a:off x="29764" y="3727680"/>
+            <a:ext cx="1211385" cy="923330"/>
+          </a:xfrm>
+          <a:prstGeom prst="rect">
+            <a:avLst/>
+          </a:prstGeom>
+          <a:noFill/>
+        </p:spPr>
+        <p:txBody>
+          <a:bodyPr wrap="square" rtlCol="0">
+            <a:spAutoFit/>
+          </a:bodyPr>
+          <a:lstStyle/>
+          <a:p>
+            <a:r>
+              <a:rPr lang="nl-BE" dirty="0" err="1"/>
+              <a:t>Proposed</a:t>
+            </a:r>
+            <a:r>
+              <a:rPr lang="nl-BE" dirty="0"/>
+              <a:t> </a:t>
+            </a:r>
+            <a:r>
+              <a:rPr lang="nl-BE" dirty="0" err="1"/>
+              <a:t>SDSoC</a:t>
+            </a:r>
+            <a:endParaRPr lang="nl-BE" dirty="0"/>
+          </a:p>
+          <a:p>
+            <a:r>
+              <a:rPr lang="nl-BE" dirty="0"/>
+              <a:t>solution</a:t>
+            </a:r>
           </a:p>
         </p:txBody>
       </p:sp>
